--- a/ppt 16-9/1303.唱哈利路亚.pptx
+++ b/ppt 16-9/1303.唱哈利路亚.pptx
@@ -5,7 +5,7 @@
     <p:sldMasterId id="2147483648" r:id="rId1"/>
   </p:sldMasterIdLst>
   <p:sldIdLst>
-    <p:sldId id="852" r:id="rId2"/>
+    <p:sldId id="853" r:id="rId2"/>
   </p:sldIdLst>
   <p:sldSz cx="12192000" cy="6858000"/>
   <p:notesSz cx="6858000" cy="9144000"/>
@@ -129,7 +129,7 @@
           <p:cNvPr id="2" name="标题 1">
             <a:extLst>
               <a:ext uri="{FF2B5EF4-FFF2-40B4-BE49-F238E27FC236}">
-                <a16:creationId xmlns:a16="http://schemas.microsoft.com/office/drawing/2014/main" id="{170EB575-3564-D5C6-0A76-9D3063A76CCA}"/>
+                <a16:creationId xmlns:a16="http://schemas.microsoft.com/office/drawing/2014/main" id="{7053F612-ACFF-21F3-AA6E-C3FA8A79E28C}"/>
               </a:ext>
             </a:extLst>
           </p:cNvPr>
@@ -166,7 +166,7 @@
           <p:cNvPr id="3" name="副标题 2">
             <a:extLst>
               <a:ext uri="{FF2B5EF4-FFF2-40B4-BE49-F238E27FC236}">
-                <a16:creationId xmlns:a16="http://schemas.microsoft.com/office/drawing/2014/main" id="{1D656CA4-79F1-2A22-5D6C-A2B5A31DD039}"/>
+                <a16:creationId xmlns:a16="http://schemas.microsoft.com/office/drawing/2014/main" id="{E7C66B4A-5EF9-03AB-8F1A-F9F3B0EDFC53}"/>
               </a:ext>
             </a:extLst>
           </p:cNvPr>
@@ -236,7 +236,7 @@
           <p:cNvPr id="4" name="日期占位符 3">
             <a:extLst>
               <a:ext uri="{FF2B5EF4-FFF2-40B4-BE49-F238E27FC236}">
-                <a16:creationId xmlns:a16="http://schemas.microsoft.com/office/drawing/2014/main" id="{9363F03C-4FF6-5DFC-085D-45BE20667394}"/>
+                <a16:creationId xmlns:a16="http://schemas.microsoft.com/office/drawing/2014/main" id="{091E30DA-E513-C7FA-18F0-86519B099C66}"/>
               </a:ext>
             </a:extLst>
           </p:cNvPr>
@@ -252,7 +252,7 @@
           <a:bodyPr/>
           <a:lstStyle/>
           <a:p>
-            <a:fld id="{D643B41B-7A2B-45F1-A9E9-FD533F2F5181}" type="datetimeFigureOut">
+            <a:fld id="{29A84E0C-76B4-4E9B-BB63-6A9426C4B8F6}" type="datetimeFigureOut">
               <a:rPr lang="zh-CN" altLang="en-US" smtClean="0"/>
               <a:t>2024/3/10</a:t>
             </a:fld>
@@ -265,7 +265,7 @@
           <p:cNvPr id="5" name="页脚占位符 4">
             <a:extLst>
               <a:ext uri="{FF2B5EF4-FFF2-40B4-BE49-F238E27FC236}">
-                <a16:creationId xmlns:a16="http://schemas.microsoft.com/office/drawing/2014/main" id="{900F2ECA-D28C-BBF1-6AE1-317AE5D5A1B9}"/>
+                <a16:creationId xmlns:a16="http://schemas.microsoft.com/office/drawing/2014/main" id="{0D8547A9-EECA-F2F4-E3B4-BE35F6C302DC}"/>
               </a:ext>
             </a:extLst>
           </p:cNvPr>
@@ -290,7 +290,7 @@
           <p:cNvPr id="6" name="灯片编号占位符 5">
             <a:extLst>
               <a:ext uri="{FF2B5EF4-FFF2-40B4-BE49-F238E27FC236}">
-                <a16:creationId xmlns:a16="http://schemas.microsoft.com/office/drawing/2014/main" id="{FEE907D2-909D-A0AF-6763-72C091C3D7EE}"/>
+                <a16:creationId xmlns:a16="http://schemas.microsoft.com/office/drawing/2014/main" id="{4BF8DE4C-943D-1E15-2CB9-6B97754E9977}"/>
               </a:ext>
             </a:extLst>
           </p:cNvPr>
@@ -306,7 +306,7 @@
           <a:bodyPr/>
           <a:lstStyle/>
           <a:p>
-            <a:fld id="{5BAE86FF-2A98-4355-A989-D3FB89B0CB2A}" type="slidenum">
+            <a:fld id="{8E00CA91-7740-4163-A6AC-D797203E5C6D}" type="slidenum">
               <a:rPr lang="zh-CN" altLang="en-US" smtClean="0"/>
               <a:t>‹#›</a:t>
             </a:fld>
@@ -317,7 +317,7 @@
     </p:spTree>
     <p:extLst>
       <p:ext uri="{BB962C8B-B14F-4D97-AF65-F5344CB8AC3E}">
-        <p14:creationId xmlns:p14="http://schemas.microsoft.com/office/powerpoint/2010/main" val="3298356462"/>
+        <p14:creationId xmlns:p14="http://schemas.microsoft.com/office/powerpoint/2010/main" val="2968712042"/>
       </p:ext>
     </p:extLst>
   </p:cSld>
@@ -349,7 +349,7 @@
           <p:cNvPr id="2" name="标题 1">
             <a:extLst>
               <a:ext uri="{FF2B5EF4-FFF2-40B4-BE49-F238E27FC236}">
-                <a16:creationId xmlns:a16="http://schemas.microsoft.com/office/drawing/2014/main" id="{9884E7A8-131D-D3DA-A63C-F17C59E0F04D}"/>
+                <a16:creationId xmlns:a16="http://schemas.microsoft.com/office/drawing/2014/main" id="{2C4992B2-1D88-17F9-B839-478D0618E931}"/>
               </a:ext>
             </a:extLst>
           </p:cNvPr>
@@ -377,7 +377,7 @@
           <p:cNvPr id="3" name="竖排文字占位符 2">
             <a:extLst>
               <a:ext uri="{FF2B5EF4-FFF2-40B4-BE49-F238E27FC236}">
-                <a16:creationId xmlns:a16="http://schemas.microsoft.com/office/drawing/2014/main" id="{EF169D6B-C533-1C2A-BC9D-3537CC646DD5}"/>
+                <a16:creationId xmlns:a16="http://schemas.microsoft.com/office/drawing/2014/main" id="{F8188BA7-637E-4340-FA82-A2AAB26C0C23}"/>
               </a:ext>
             </a:extLst>
           </p:cNvPr>
@@ -434,7 +434,7 @@
           <p:cNvPr id="4" name="日期占位符 3">
             <a:extLst>
               <a:ext uri="{FF2B5EF4-FFF2-40B4-BE49-F238E27FC236}">
-                <a16:creationId xmlns:a16="http://schemas.microsoft.com/office/drawing/2014/main" id="{4D4CBE48-FAF2-5CE9-28EE-2B2AE340AB0F}"/>
+                <a16:creationId xmlns:a16="http://schemas.microsoft.com/office/drawing/2014/main" id="{77F6E905-55C1-3B69-7717-9365C99AE882}"/>
               </a:ext>
             </a:extLst>
           </p:cNvPr>
@@ -450,7 +450,7 @@
           <a:bodyPr/>
           <a:lstStyle/>
           <a:p>
-            <a:fld id="{D643B41B-7A2B-45F1-A9E9-FD533F2F5181}" type="datetimeFigureOut">
+            <a:fld id="{29A84E0C-76B4-4E9B-BB63-6A9426C4B8F6}" type="datetimeFigureOut">
               <a:rPr lang="zh-CN" altLang="en-US" smtClean="0"/>
               <a:t>2024/3/10</a:t>
             </a:fld>
@@ -463,7 +463,7 @@
           <p:cNvPr id="5" name="页脚占位符 4">
             <a:extLst>
               <a:ext uri="{FF2B5EF4-FFF2-40B4-BE49-F238E27FC236}">
-                <a16:creationId xmlns:a16="http://schemas.microsoft.com/office/drawing/2014/main" id="{5A6AB4D4-7B73-E8C9-AC7F-E8A6505309B5}"/>
+                <a16:creationId xmlns:a16="http://schemas.microsoft.com/office/drawing/2014/main" id="{F9EAC7B9-DA7C-618E-BCAC-F39F08F16299}"/>
               </a:ext>
             </a:extLst>
           </p:cNvPr>
@@ -488,7 +488,7 @@
           <p:cNvPr id="6" name="灯片编号占位符 5">
             <a:extLst>
               <a:ext uri="{FF2B5EF4-FFF2-40B4-BE49-F238E27FC236}">
-                <a16:creationId xmlns:a16="http://schemas.microsoft.com/office/drawing/2014/main" id="{FB7C2E42-4752-933C-025D-00C3405B2152}"/>
+                <a16:creationId xmlns:a16="http://schemas.microsoft.com/office/drawing/2014/main" id="{3DAD2788-36FD-3C55-F4CA-E21FE1445FC4}"/>
               </a:ext>
             </a:extLst>
           </p:cNvPr>
@@ -504,7 +504,7 @@
           <a:bodyPr/>
           <a:lstStyle/>
           <a:p>
-            <a:fld id="{5BAE86FF-2A98-4355-A989-D3FB89B0CB2A}" type="slidenum">
+            <a:fld id="{8E00CA91-7740-4163-A6AC-D797203E5C6D}" type="slidenum">
               <a:rPr lang="zh-CN" altLang="en-US" smtClean="0"/>
               <a:t>‹#›</a:t>
             </a:fld>
@@ -515,7 +515,7 @@
     </p:spTree>
     <p:extLst>
       <p:ext uri="{BB962C8B-B14F-4D97-AF65-F5344CB8AC3E}">
-        <p14:creationId xmlns:p14="http://schemas.microsoft.com/office/powerpoint/2010/main" val="380622656"/>
+        <p14:creationId xmlns:p14="http://schemas.microsoft.com/office/powerpoint/2010/main" val="1576363436"/>
       </p:ext>
     </p:extLst>
   </p:cSld>
@@ -547,7 +547,7 @@
           <p:cNvPr id="2" name="竖排标题 1">
             <a:extLst>
               <a:ext uri="{FF2B5EF4-FFF2-40B4-BE49-F238E27FC236}">
-                <a16:creationId xmlns:a16="http://schemas.microsoft.com/office/drawing/2014/main" id="{AF2D0915-67EB-BCC1-8798-52DCF867C043}"/>
+                <a16:creationId xmlns:a16="http://schemas.microsoft.com/office/drawing/2014/main" id="{C165F2BF-98BC-792D-12CE-00EE960B91F0}"/>
               </a:ext>
             </a:extLst>
           </p:cNvPr>
@@ -580,7 +580,7 @@
           <p:cNvPr id="3" name="竖排文字占位符 2">
             <a:extLst>
               <a:ext uri="{FF2B5EF4-FFF2-40B4-BE49-F238E27FC236}">
-                <a16:creationId xmlns:a16="http://schemas.microsoft.com/office/drawing/2014/main" id="{768D0FDD-C86E-07E9-10B1-4EECAB7F53B6}"/>
+                <a16:creationId xmlns:a16="http://schemas.microsoft.com/office/drawing/2014/main" id="{28097CD3-BFC8-B1EF-F72A-DF1D9E787F4F}"/>
               </a:ext>
             </a:extLst>
           </p:cNvPr>
@@ -642,7 +642,7 @@
           <p:cNvPr id="4" name="日期占位符 3">
             <a:extLst>
               <a:ext uri="{FF2B5EF4-FFF2-40B4-BE49-F238E27FC236}">
-                <a16:creationId xmlns:a16="http://schemas.microsoft.com/office/drawing/2014/main" id="{18B5EF63-593C-6CEE-1795-D9BDDFEBCAD7}"/>
+                <a16:creationId xmlns:a16="http://schemas.microsoft.com/office/drawing/2014/main" id="{95C18AD8-6523-57BA-2B7C-C9E83848ACCA}"/>
               </a:ext>
             </a:extLst>
           </p:cNvPr>
@@ -658,7 +658,7 @@
           <a:bodyPr/>
           <a:lstStyle/>
           <a:p>
-            <a:fld id="{D643B41B-7A2B-45F1-A9E9-FD533F2F5181}" type="datetimeFigureOut">
+            <a:fld id="{29A84E0C-76B4-4E9B-BB63-6A9426C4B8F6}" type="datetimeFigureOut">
               <a:rPr lang="zh-CN" altLang="en-US" smtClean="0"/>
               <a:t>2024/3/10</a:t>
             </a:fld>
@@ -671,7 +671,7 @@
           <p:cNvPr id="5" name="页脚占位符 4">
             <a:extLst>
               <a:ext uri="{FF2B5EF4-FFF2-40B4-BE49-F238E27FC236}">
-                <a16:creationId xmlns:a16="http://schemas.microsoft.com/office/drawing/2014/main" id="{A869A289-682C-1938-24C3-92451E193DA1}"/>
+                <a16:creationId xmlns:a16="http://schemas.microsoft.com/office/drawing/2014/main" id="{D5A67BC7-5D39-5B9A-313F-F40020B386E7}"/>
               </a:ext>
             </a:extLst>
           </p:cNvPr>
@@ -696,7 +696,7 @@
           <p:cNvPr id="6" name="灯片编号占位符 5">
             <a:extLst>
               <a:ext uri="{FF2B5EF4-FFF2-40B4-BE49-F238E27FC236}">
-                <a16:creationId xmlns:a16="http://schemas.microsoft.com/office/drawing/2014/main" id="{D2BA0119-8F7C-70C4-6AFC-760918687DCF}"/>
+                <a16:creationId xmlns:a16="http://schemas.microsoft.com/office/drawing/2014/main" id="{387CBE23-16DD-E70E-74E4-F9FCA47D6E58}"/>
               </a:ext>
             </a:extLst>
           </p:cNvPr>
@@ -712,7 +712,7 @@
           <a:bodyPr/>
           <a:lstStyle/>
           <a:p>
-            <a:fld id="{5BAE86FF-2A98-4355-A989-D3FB89B0CB2A}" type="slidenum">
+            <a:fld id="{8E00CA91-7740-4163-A6AC-D797203E5C6D}" type="slidenum">
               <a:rPr lang="zh-CN" altLang="en-US" smtClean="0"/>
               <a:t>‹#›</a:t>
             </a:fld>
@@ -723,7 +723,7 @@
     </p:spTree>
     <p:extLst>
       <p:ext uri="{BB962C8B-B14F-4D97-AF65-F5344CB8AC3E}">
-        <p14:creationId xmlns:p14="http://schemas.microsoft.com/office/powerpoint/2010/main" val="3942631451"/>
+        <p14:creationId xmlns:p14="http://schemas.microsoft.com/office/powerpoint/2010/main" val="1720559374"/>
       </p:ext>
     </p:extLst>
   </p:cSld>
@@ -755,7 +755,7 @@
           <p:cNvPr id="2" name="标题 1">
             <a:extLst>
               <a:ext uri="{FF2B5EF4-FFF2-40B4-BE49-F238E27FC236}">
-                <a16:creationId xmlns:a16="http://schemas.microsoft.com/office/drawing/2014/main" id="{19E4F7A1-8521-BB50-2A04-09F8E77D377A}"/>
+                <a16:creationId xmlns:a16="http://schemas.microsoft.com/office/drawing/2014/main" id="{50D94353-C5B9-4C5B-32C3-2AB5A37AD9C3}"/>
               </a:ext>
             </a:extLst>
           </p:cNvPr>
@@ -783,7 +783,7 @@
           <p:cNvPr id="3" name="内容占位符 2">
             <a:extLst>
               <a:ext uri="{FF2B5EF4-FFF2-40B4-BE49-F238E27FC236}">
-                <a16:creationId xmlns:a16="http://schemas.microsoft.com/office/drawing/2014/main" id="{719F7EC3-2E39-4304-8591-505D36302B00}"/>
+                <a16:creationId xmlns:a16="http://schemas.microsoft.com/office/drawing/2014/main" id="{213B17BB-CE18-27C7-842F-713AA76DEA92}"/>
               </a:ext>
             </a:extLst>
           </p:cNvPr>
@@ -840,7 +840,7 @@
           <p:cNvPr id="4" name="日期占位符 3">
             <a:extLst>
               <a:ext uri="{FF2B5EF4-FFF2-40B4-BE49-F238E27FC236}">
-                <a16:creationId xmlns:a16="http://schemas.microsoft.com/office/drawing/2014/main" id="{A4EAC005-863F-E7A3-514E-4DB4E777FDCD}"/>
+                <a16:creationId xmlns:a16="http://schemas.microsoft.com/office/drawing/2014/main" id="{2EA45F30-10DD-EE2D-5650-9683FD677C46}"/>
               </a:ext>
             </a:extLst>
           </p:cNvPr>
@@ -856,7 +856,7 @@
           <a:bodyPr/>
           <a:lstStyle/>
           <a:p>
-            <a:fld id="{D643B41B-7A2B-45F1-A9E9-FD533F2F5181}" type="datetimeFigureOut">
+            <a:fld id="{29A84E0C-76B4-4E9B-BB63-6A9426C4B8F6}" type="datetimeFigureOut">
               <a:rPr lang="zh-CN" altLang="en-US" smtClean="0"/>
               <a:t>2024/3/10</a:t>
             </a:fld>
@@ -869,7 +869,7 @@
           <p:cNvPr id="5" name="页脚占位符 4">
             <a:extLst>
               <a:ext uri="{FF2B5EF4-FFF2-40B4-BE49-F238E27FC236}">
-                <a16:creationId xmlns:a16="http://schemas.microsoft.com/office/drawing/2014/main" id="{771335B7-0A30-F007-29E5-148EA4301011}"/>
+                <a16:creationId xmlns:a16="http://schemas.microsoft.com/office/drawing/2014/main" id="{EF31E689-61DF-93C5-3F8D-EE3C060F0CB8}"/>
               </a:ext>
             </a:extLst>
           </p:cNvPr>
@@ -894,7 +894,7 @@
           <p:cNvPr id="6" name="灯片编号占位符 5">
             <a:extLst>
               <a:ext uri="{FF2B5EF4-FFF2-40B4-BE49-F238E27FC236}">
-                <a16:creationId xmlns:a16="http://schemas.microsoft.com/office/drawing/2014/main" id="{9FE847A5-9FEF-2D00-5C97-DC175B6B1A14}"/>
+                <a16:creationId xmlns:a16="http://schemas.microsoft.com/office/drawing/2014/main" id="{30A18A79-78FB-A508-F5FF-5ED3F907CCD0}"/>
               </a:ext>
             </a:extLst>
           </p:cNvPr>
@@ -910,7 +910,7 @@
           <a:bodyPr/>
           <a:lstStyle/>
           <a:p>
-            <a:fld id="{5BAE86FF-2A98-4355-A989-D3FB89B0CB2A}" type="slidenum">
+            <a:fld id="{8E00CA91-7740-4163-A6AC-D797203E5C6D}" type="slidenum">
               <a:rPr lang="zh-CN" altLang="en-US" smtClean="0"/>
               <a:t>‹#›</a:t>
             </a:fld>
@@ -921,7 +921,7 @@
     </p:spTree>
     <p:extLst>
       <p:ext uri="{BB962C8B-B14F-4D97-AF65-F5344CB8AC3E}">
-        <p14:creationId xmlns:p14="http://schemas.microsoft.com/office/powerpoint/2010/main" val="3770690712"/>
+        <p14:creationId xmlns:p14="http://schemas.microsoft.com/office/powerpoint/2010/main" val="2452377544"/>
       </p:ext>
     </p:extLst>
   </p:cSld>
@@ -953,7 +953,7 @@
           <p:cNvPr id="2" name="标题 1">
             <a:extLst>
               <a:ext uri="{FF2B5EF4-FFF2-40B4-BE49-F238E27FC236}">
-                <a16:creationId xmlns:a16="http://schemas.microsoft.com/office/drawing/2014/main" id="{2AD3DA46-FB3C-30D9-74BB-7B07F504DEE4}"/>
+                <a16:creationId xmlns:a16="http://schemas.microsoft.com/office/drawing/2014/main" id="{2EC33E82-FDC1-E0B2-1155-BBFA377E9B44}"/>
               </a:ext>
             </a:extLst>
           </p:cNvPr>
@@ -990,7 +990,7 @@
           <p:cNvPr id="3" name="文本占位符 2">
             <a:extLst>
               <a:ext uri="{FF2B5EF4-FFF2-40B4-BE49-F238E27FC236}">
-                <a16:creationId xmlns:a16="http://schemas.microsoft.com/office/drawing/2014/main" id="{AFB6A328-7BC4-846B-4252-7F2A207E012C}"/>
+                <a16:creationId xmlns:a16="http://schemas.microsoft.com/office/drawing/2014/main" id="{396A2B58-03D4-583E-D9EF-772A18186256}"/>
               </a:ext>
             </a:extLst>
           </p:cNvPr>
@@ -1115,7 +1115,7 @@
           <p:cNvPr id="4" name="日期占位符 3">
             <a:extLst>
               <a:ext uri="{FF2B5EF4-FFF2-40B4-BE49-F238E27FC236}">
-                <a16:creationId xmlns:a16="http://schemas.microsoft.com/office/drawing/2014/main" id="{BECB40CD-828B-FDEC-E835-B256C8426A2A}"/>
+                <a16:creationId xmlns:a16="http://schemas.microsoft.com/office/drawing/2014/main" id="{A2ECEF41-21BA-5E38-CB82-5D7182E033AE}"/>
               </a:ext>
             </a:extLst>
           </p:cNvPr>
@@ -1131,7 +1131,7 @@
           <a:bodyPr/>
           <a:lstStyle/>
           <a:p>
-            <a:fld id="{D643B41B-7A2B-45F1-A9E9-FD533F2F5181}" type="datetimeFigureOut">
+            <a:fld id="{29A84E0C-76B4-4E9B-BB63-6A9426C4B8F6}" type="datetimeFigureOut">
               <a:rPr lang="zh-CN" altLang="en-US" smtClean="0"/>
               <a:t>2024/3/10</a:t>
             </a:fld>
@@ -1144,7 +1144,7 @@
           <p:cNvPr id="5" name="页脚占位符 4">
             <a:extLst>
               <a:ext uri="{FF2B5EF4-FFF2-40B4-BE49-F238E27FC236}">
-                <a16:creationId xmlns:a16="http://schemas.microsoft.com/office/drawing/2014/main" id="{7EACB741-3459-F2BC-593F-4F281161DCD7}"/>
+                <a16:creationId xmlns:a16="http://schemas.microsoft.com/office/drawing/2014/main" id="{5968E4DC-C4CB-8506-4315-0CC948DC1A16}"/>
               </a:ext>
             </a:extLst>
           </p:cNvPr>
@@ -1169,7 +1169,7 @@
           <p:cNvPr id="6" name="灯片编号占位符 5">
             <a:extLst>
               <a:ext uri="{FF2B5EF4-FFF2-40B4-BE49-F238E27FC236}">
-                <a16:creationId xmlns:a16="http://schemas.microsoft.com/office/drawing/2014/main" id="{90E34576-B2CB-9B44-DAD6-B36CFC2482E5}"/>
+                <a16:creationId xmlns:a16="http://schemas.microsoft.com/office/drawing/2014/main" id="{5C978F81-383B-B0DE-806A-129232EA0F23}"/>
               </a:ext>
             </a:extLst>
           </p:cNvPr>
@@ -1185,7 +1185,7 @@
           <a:bodyPr/>
           <a:lstStyle/>
           <a:p>
-            <a:fld id="{5BAE86FF-2A98-4355-A989-D3FB89B0CB2A}" type="slidenum">
+            <a:fld id="{8E00CA91-7740-4163-A6AC-D797203E5C6D}" type="slidenum">
               <a:rPr lang="zh-CN" altLang="en-US" smtClean="0"/>
               <a:t>‹#›</a:t>
             </a:fld>
@@ -1196,7 +1196,7 @@
     </p:spTree>
     <p:extLst>
       <p:ext uri="{BB962C8B-B14F-4D97-AF65-F5344CB8AC3E}">
-        <p14:creationId xmlns:p14="http://schemas.microsoft.com/office/powerpoint/2010/main" val="2030282371"/>
+        <p14:creationId xmlns:p14="http://schemas.microsoft.com/office/powerpoint/2010/main" val="2797095919"/>
       </p:ext>
     </p:extLst>
   </p:cSld>
@@ -1228,7 +1228,7 @@
           <p:cNvPr id="2" name="标题 1">
             <a:extLst>
               <a:ext uri="{FF2B5EF4-FFF2-40B4-BE49-F238E27FC236}">
-                <a16:creationId xmlns:a16="http://schemas.microsoft.com/office/drawing/2014/main" id="{2CAE4E54-F4A3-B102-9382-37CCC446080F}"/>
+                <a16:creationId xmlns:a16="http://schemas.microsoft.com/office/drawing/2014/main" id="{9998B4F0-AF53-BB79-EA84-4AA6043AFFC7}"/>
               </a:ext>
             </a:extLst>
           </p:cNvPr>
@@ -1256,7 +1256,7 @@
           <p:cNvPr id="3" name="内容占位符 2">
             <a:extLst>
               <a:ext uri="{FF2B5EF4-FFF2-40B4-BE49-F238E27FC236}">
-                <a16:creationId xmlns:a16="http://schemas.microsoft.com/office/drawing/2014/main" id="{585F7587-4082-2327-3E57-91F3058AB96C}"/>
+                <a16:creationId xmlns:a16="http://schemas.microsoft.com/office/drawing/2014/main" id="{E0603A65-5F51-92E8-0C60-7EF4A97E7557}"/>
               </a:ext>
             </a:extLst>
           </p:cNvPr>
@@ -1318,7 +1318,7 @@
           <p:cNvPr id="4" name="内容占位符 3">
             <a:extLst>
               <a:ext uri="{FF2B5EF4-FFF2-40B4-BE49-F238E27FC236}">
-                <a16:creationId xmlns:a16="http://schemas.microsoft.com/office/drawing/2014/main" id="{AD7C4162-AD3D-5D43-75D9-B14AAD820FBE}"/>
+                <a16:creationId xmlns:a16="http://schemas.microsoft.com/office/drawing/2014/main" id="{53A8B879-4CCC-EE01-4F4E-550E9872AD95}"/>
               </a:ext>
             </a:extLst>
           </p:cNvPr>
@@ -1380,7 +1380,7 @@
           <p:cNvPr id="5" name="日期占位符 4">
             <a:extLst>
               <a:ext uri="{FF2B5EF4-FFF2-40B4-BE49-F238E27FC236}">
-                <a16:creationId xmlns:a16="http://schemas.microsoft.com/office/drawing/2014/main" id="{92A05376-B467-6EF2-2D7C-655E4F7EB24D}"/>
+                <a16:creationId xmlns:a16="http://schemas.microsoft.com/office/drawing/2014/main" id="{58C6B5CE-CDA2-1E21-50C7-89585EC4E8F3}"/>
               </a:ext>
             </a:extLst>
           </p:cNvPr>
@@ -1396,7 +1396,7 @@
           <a:bodyPr/>
           <a:lstStyle/>
           <a:p>
-            <a:fld id="{D643B41B-7A2B-45F1-A9E9-FD533F2F5181}" type="datetimeFigureOut">
+            <a:fld id="{29A84E0C-76B4-4E9B-BB63-6A9426C4B8F6}" type="datetimeFigureOut">
               <a:rPr lang="zh-CN" altLang="en-US" smtClean="0"/>
               <a:t>2024/3/10</a:t>
             </a:fld>
@@ -1409,7 +1409,7 @@
           <p:cNvPr id="6" name="页脚占位符 5">
             <a:extLst>
               <a:ext uri="{FF2B5EF4-FFF2-40B4-BE49-F238E27FC236}">
-                <a16:creationId xmlns:a16="http://schemas.microsoft.com/office/drawing/2014/main" id="{A8B319DD-2ED7-676A-C3D2-10E184FE213E}"/>
+                <a16:creationId xmlns:a16="http://schemas.microsoft.com/office/drawing/2014/main" id="{CE56A4A7-A092-4034-F8C2-944F02A86569}"/>
               </a:ext>
             </a:extLst>
           </p:cNvPr>
@@ -1434,7 +1434,7 @@
           <p:cNvPr id="7" name="灯片编号占位符 6">
             <a:extLst>
               <a:ext uri="{FF2B5EF4-FFF2-40B4-BE49-F238E27FC236}">
-                <a16:creationId xmlns:a16="http://schemas.microsoft.com/office/drawing/2014/main" id="{92A5998F-D1AC-09FB-ABDE-205F3B08627D}"/>
+                <a16:creationId xmlns:a16="http://schemas.microsoft.com/office/drawing/2014/main" id="{02847AF2-FA09-50D5-6DE2-3639BD2F132C}"/>
               </a:ext>
             </a:extLst>
           </p:cNvPr>
@@ -1450,7 +1450,7 @@
           <a:bodyPr/>
           <a:lstStyle/>
           <a:p>
-            <a:fld id="{5BAE86FF-2A98-4355-A989-D3FB89B0CB2A}" type="slidenum">
+            <a:fld id="{8E00CA91-7740-4163-A6AC-D797203E5C6D}" type="slidenum">
               <a:rPr lang="zh-CN" altLang="en-US" smtClean="0"/>
               <a:t>‹#›</a:t>
             </a:fld>
@@ -1461,7 +1461,7 @@
     </p:spTree>
     <p:extLst>
       <p:ext uri="{BB962C8B-B14F-4D97-AF65-F5344CB8AC3E}">
-        <p14:creationId xmlns:p14="http://schemas.microsoft.com/office/powerpoint/2010/main" val="1525016319"/>
+        <p14:creationId xmlns:p14="http://schemas.microsoft.com/office/powerpoint/2010/main" val="1297983843"/>
       </p:ext>
     </p:extLst>
   </p:cSld>
@@ -1493,7 +1493,7 @@
           <p:cNvPr id="2" name="标题 1">
             <a:extLst>
               <a:ext uri="{FF2B5EF4-FFF2-40B4-BE49-F238E27FC236}">
-                <a16:creationId xmlns:a16="http://schemas.microsoft.com/office/drawing/2014/main" id="{3A16C94F-D16B-02F0-BD55-56E5A8A3724C}"/>
+                <a16:creationId xmlns:a16="http://schemas.microsoft.com/office/drawing/2014/main" id="{C46EA0BB-6E87-6F64-0189-46C8CB968A63}"/>
               </a:ext>
             </a:extLst>
           </p:cNvPr>
@@ -1526,7 +1526,7 @@
           <p:cNvPr id="3" name="文本占位符 2">
             <a:extLst>
               <a:ext uri="{FF2B5EF4-FFF2-40B4-BE49-F238E27FC236}">
-                <a16:creationId xmlns:a16="http://schemas.microsoft.com/office/drawing/2014/main" id="{0D52F9F4-CBB0-8672-5B08-8D0726B3A8CB}"/>
+                <a16:creationId xmlns:a16="http://schemas.microsoft.com/office/drawing/2014/main" id="{31F6239F-281B-CBB5-4133-5ECB0587FCE5}"/>
               </a:ext>
             </a:extLst>
           </p:cNvPr>
@@ -1597,7 +1597,7 @@
           <p:cNvPr id="4" name="内容占位符 3">
             <a:extLst>
               <a:ext uri="{FF2B5EF4-FFF2-40B4-BE49-F238E27FC236}">
-                <a16:creationId xmlns:a16="http://schemas.microsoft.com/office/drawing/2014/main" id="{90EAA580-F2E5-80AC-E4FF-D4A19FD0BA5E}"/>
+                <a16:creationId xmlns:a16="http://schemas.microsoft.com/office/drawing/2014/main" id="{1B79DC1A-BBF2-8FA9-639C-9F8C2300E69D}"/>
               </a:ext>
             </a:extLst>
           </p:cNvPr>
@@ -1659,7 +1659,7 @@
           <p:cNvPr id="5" name="文本占位符 4">
             <a:extLst>
               <a:ext uri="{FF2B5EF4-FFF2-40B4-BE49-F238E27FC236}">
-                <a16:creationId xmlns:a16="http://schemas.microsoft.com/office/drawing/2014/main" id="{FAAAA235-5D5B-BA6D-95EE-FEEE94124301}"/>
+                <a16:creationId xmlns:a16="http://schemas.microsoft.com/office/drawing/2014/main" id="{A818DBBB-EE3E-72C4-124D-8F0AB0D0BBBC}"/>
               </a:ext>
             </a:extLst>
           </p:cNvPr>
@@ -1730,7 +1730,7 @@
           <p:cNvPr id="6" name="内容占位符 5">
             <a:extLst>
               <a:ext uri="{FF2B5EF4-FFF2-40B4-BE49-F238E27FC236}">
-                <a16:creationId xmlns:a16="http://schemas.microsoft.com/office/drawing/2014/main" id="{AB15C8DC-02FB-1B14-A188-7D2A545D1FB6}"/>
+                <a16:creationId xmlns:a16="http://schemas.microsoft.com/office/drawing/2014/main" id="{B2176449-3F52-BBC7-DE92-C987E8515748}"/>
               </a:ext>
             </a:extLst>
           </p:cNvPr>
@@ -1792,7 +1792,7 @@
           <p:cNvPr id="7" name="日期占位符 6">
             <a:extLst>
               <a:ext uri="{FF2B5EF4-FFF2-40B4-BE49-F238E27FC236}">
-                <a16:creationId xmlns:a16="http://schemas.microsoft.com/office/drawing/2014/main" id="{E9C4213C-A74A-AFAF-468C-A040CD6F0AE8}"/>
+                <a16:creationId xmlns:a16="http://schemas.microsoft.com/office/drawing/2014/main" id="{22BBDA82-E30D-2B0D-D067-C7D5F5457F4F}"/>
               </a:ext>
             </a:extLst>
           </p:cNvPr>
@@ -1808,7 +1808,7 @@
           <a:bodyPr/>
           <a:lstStyle/>
           <a:p>
-            <a:fld id="{D643B41B-7A2B-45F1-A9E9-FD533F2F5181}" type="datetimeFigureOut">
+            <a:fld id="{29A84E0C-76B4-4E9B-BB63-6A9426C4B8F6}" type="datetimeFigureOut">
               <a:rPr lang="zh-CN" altLang="en-US" smtClean="0"/>
               <a:t>2024/3/10</a:t>
             </a:fld>
@@ -1821,7 +1821,7 @@
           <p:cNvPr id="8" name="页脚占位符 7">
             <a:extLst>
               <a:ext uri="{FF2B5EF4-FFF2-40B4-BE49-F238E27FC236}">
-                <a16:creationId xmlns:a16="http://schemas.microsoft.com/office/drawing/2014/main" id="{2CC82E82-F7EF-2D8D-EC37-3CB39743485A}"/>
+                <a16:creationId xmlns:a16="http://schemas.microsoft.com/office/drawing/2014/main" id="{9A387C96-EF59-81FE-7E16-E3176C7D898C}"/>
               </a:ext>
             </a:extLst>
           </p:cNvPr>
@@ -1846,7 +1846,7 @@
           <p:cNvPr id="9" name="灯片编号占位符 8">
             <a:extLst>
               <a:ext uri="{FF2B5EF4-FFF2-40B4-BE49-F238E27FC236}">
-                <a16:creationId xmlns:a16="http://schemas.microsoft.com/office/drawing/2014/main" id="{2AC4D84E-8C40-AEB1-F441-A55E00DBFE3C}"/>
+                <a16:creationId xmlns:a16="http://schemas.microsoft.com/office/drawing/2014/main" id="{5FEE839F-8821-9D04-83BD-0CD08590DA3E}"/>
               </a:ext>
             </a:extLst>
           </p:cNvPr>
@@ -1862,7 +1862,7 @@
           <a:bodyPr/>
           <a:lstStyle/>
           <a:p>
-            <a:fld id="{5BAE86FF-2A98-4355-A989-D3FB89B0CB2A}" type="slidenum">
+            <a:fld id="{8E00CA91-7740-4163-A6AC-D797203E5C6D}" type="slidenum">
               <a:rPr lang="zh-CN" altLang="en-US" smtClean="0"/>
               <a:t>‹#›</a:t>
             </a:fld>
@@ -1873,7 +1873,7 @@
     </p:spTree>
     <p:extLst>
       <p:ext uri="{BB962C8B-B14F-4D97-AF65-F5344CB8AC3E}">
-        <p14:creationId xmlns:p14="http://schemas.microsoft.com/office/powerpoint/2010/main" val="3034117000"/>
+        <p14:creationId xmlns:p14="http://schemas.microsoft.com/office/powerpoint/2010/main" val="4268964350"/>
       </p:ext>
     </p:extLst>
   </p:cSld>
@@ -1905,7 +1905,7 @@
           <p:cNvPr id="2" name="标题 1">
             <a:extLst>
               <a:ext uri="{FF2B5EF4-FFF2-40B4-BE49-F238E27FC236}">
-                <a16:creationId xmlns:a16="http://schemas.microsoft.com/office/drawing/2014/main" id="{9D51DF8A-AE07-C753-0CDC-48FF8647F2A9}"/>
+                <a16:creationId xmlns:a16="http://schemas.microsoft.com/office/drawing/2014/main" id="{4C48727E-32D7-EEF7-5E6C-3BBC53318788}"/>
               </a:ext>
             </a:extLst>
           </p:cNvPr>
@@ -1933,7 +1933,7 @@
           <p:cNvPr id="3" name="日期占位符 2">
             <a:extLst>
               <a:ext uri="{FF2B5EF4-FFF2-40B4-BE49-F238E27FC236}">
-                <a16:creationId xmlns:a16="http://schemas.microsoft.com/office/drawing/2014/main" id="{BAB1C838-6FB0-B961-DA20-E24C9127F64D}"/>
+                <a16:creationId xmlns:a16="http://schemas.microsoft.com/office/drawing/2014/main" id="{21FE7241-9FD9-29B7-FB83-E3CA5610355B}"/>
               </a:ext>
             </a:extLst>
           </p:cNvPr>
@@ -1949,7 +1949,7 @@
           <a:bodyPr/>
           <a:lstStyle/>
           <a:p>
-            <a:fld id="{D643B41B-7A2B-45F1-A9E9-FD533F2F5181}" type="datetimeFigureOut">
+            <a:fld id="{29A84E0C-76B4-4E9B-BB63-6A9426C4B8F6}" type="datetimeFigureOut">
               <a:rPr lang="zh-CN" altLang="en-US" smtClean="0"/>
               <a:t>2024/3/10</a:t>
             </a:fld>
@@ -1962,7 +1962,7 @@
           <p:cNvPr id="4" name="页脚占位符 3">
             <a:extLst>
               <a:ext uri="{FF2B5EF4-FFF2-40B4-BE49-F238E27FC236}">
-                <a16:creationId xmlns:a16="http://schemas.microsoft.com/office/drawing/2014/main" id="{FDA4CF24-C8B7-EFFD-55B5-B27E5F1C2C86}"/>
+                <a16:creationId xmlns:a16="http://schemas.microsoft.com/office/drawing/2014/main" id="{43D7D33B-9DA7-8027-52AF-D0B45351075A}"/>
               </a:ext>
             </a:extLst>
           </p:cNvPr>
@@ -1987,7 +1987,7 @@
           <p:cNvPr id="5" name="灯片编号占位符 4">
             <a:extLst>
               <a:ext uri="{FF2B5EF4-FFF2-40B4-BE49-F238E27FC236}">
-                <a16:creationId xmlns:a16="http://schemas.microsoft.com/office/drawing/2014/main" id="{3290A606-CC56-B38C-B9E0-F4497D56F49F}"/>
+                <a16:creationId xmlns:a16="http://schemas.microsoft.com/office/drawing/2014/main" id="{EC258012-856A-6EE2-2FA5-17FDEBA6DBB2}"/>
               </a:ext>
             </a:extLst>
           </p:cNvPr>
@@ -2003,7 +2003,7 @@
           <a:bodyPr/>
           <a:lstStyle/>
           <a:p>
-            <a:fld id="{5BAE86FF-2A98-4355-A989-D3FB89B0CB2A}" type="slidenum">
+            <a:fld id="{8E00CA91-7740-4163-A6AC-D797203E5C6D}" type="slidenum">
               <a:rPr lang="zh-CN" altLang="en-US" smtClean="0"/>
               <a:t>‹#›</a:t>
             </a:fld>
@@ -2014,7 +2014,7 @@
     </p:spTree>
     <p:extLst>
       <p:ext uri="{BB962C8B-B14F-4D97-AF65-F5344CB8AC3E}">
-        <p14:creationId xmlns:p14="http://schemas.microsoft.com/office/powerpoint/2010/main" val="2774125835"/>
+        <p14:creationId xmlns:p14="http://schemas.microsoft.com/office/powerpoint/2010/main" val="2946353975"/>
       </p:ext>
     </p:extLst>
   </p:cSld>
@@ -2046,7 +2046,7 @@
           <p:cNvPr id="2" name="日期占位符 1">
             <a:extLst>
               <a:ext uri="{FF2B5EF4-FFF2-40B4-BE49-F238E27FC236}">
-                <a16:creationId xmlns:a16="http://schemas.microsoft.com/office/drawing/2014/main" id="{0F496229-2522-FF8B-4232-AE5926C88550}"/>
+                <a16:creationId xmlns:a16="http://schemas.microsoft.com/office/drawing/2014/main" id="{EFF9A297-1161-4400-9E6B-37D14F994126}"/>
               </a:ext>
             </a:extLst>
           </p:cNvPr>
@@ -2062,7 +2062,7 @@
           <a:bodyPr/>
           <a:lstStyle/>
           <a:p>
-            <a:fld id="{D643B41B-7A2B-45F1-A9E9-FD533F2F5181}" type="datetimeFigureOut">
+            <a:fld id="{29A84E0C-76B4-4E9B-BB63-6A9426C4B8F6}" type="datetimeFigureOut">
               <a:rPr lang="zh-CN" altLang="en-US" smtClean="0"/>
               <a:t>2024/3/10</a:t>
             </a:fld>
@@ -2075,7 +2075,7 @@
           <p:cNvPr id="3" name="页脚占位符 2">
             <a:extLst>
               <a:ext uri="{FF2B5EF4-FFF2-40B4-BE49-F238E27FC236}">
-                <a16:creationId xmlns:a16="http://schemas.microsoft.com/office/drawing/2014/main" id="{F4D3C014-304B-2465-D7B2-63B5164C2EDE}"/>
+                <a16:creationId xmlns:a16="http://schemas.microsoft.com/office/drawing/2014/main" id="{46230715-85AF-ADF6-8584-066B07F2E123}"/>
               </a:ext>
             </a:extLst>
           </p:cNvPr>
@@ -2100,7 +2100,7 @@
           <p:cNvPr id="4" name="灯片编号占位符 3">
             <a:extLst>
               <a:ext uri="{FF2B5EF4-FFF2-40B4-BE49-F238E27FC236}">
-                <a16:creationId xmlns:a16="http://schemas.microsoft.com/office/drawing/2014/main" id="{F264F2FE-527B-F90F-CA15-296581A45A9C}"/>
+                <a16:creationId xmlns:a16="http://schemas.microsoft.com/office/drawing/2014/main" id="{E222A577-F8CD-4FFD-827E-9FD0144710C9}"/>
               </a:ext>
             </a:extLst>
           </p:cNvPr>
@@ -2116,7 +2116,7 @@
           <a:bodyPr/>
           <a:lstStyle/>
           <a:p>
-            <a:fld id="{5BAE86FF-2A98-4355-A989-D3FB89B0CB2A}" type="slidenum">
+            <a:fld id="{8E00CA91-7740-4163-A6AC-D797203E5C6D}" type="slidenum">
               <a:rPr lang="zh-CN" altLang="en-US" smtClean="0"/>
               <a:t>‹#›</a:t>
             </a:fld>
@@ -2127,7 +2127,7 @@
     </p:spTree>
     <p:extLst>
       <p:ext uri="{BB962C8B-B14F-4D97-AF65-F5344CB8AC3E}">
-        <p14:creationId xmlns:p14="http://schemas.microsoft.com/office/powerpoint/2010/main" val="2046799238"/>
+        <p14:creationId xmlns:p14="http://schemas.microsoft.com/office/powerpoint/2010/main" val="2948558980"/>
       </p:ext>
     </p:extLst>
   </p:cSld>
@@ -2159,7 +2159,7 @@
           <p:cNvPr id="2" name="标题 1">
             <a:extLst>
               <a:ext uri="{FF2B5EF4-FFF2-40B4-BE49-F238E27FC236}">
-                <a16:creationId xmlns:a16="http://schemas.microsoft.com/office/drawing/2014/main" id="{8FF6B54C-76C2-87DE-2213-749968950B97}"/>
+                <a16:creationId xmlns:a16="http://schemas.microsoft.com/office/drawing/2014/main" id="{A342D455-7892-7A1C-7CD1-484C43A1657D}"/>
               </a:ext>
             </a:extLst>
           </p:cNvPr>
@@ -2196,7 +2196,7 @@
           <p:cNvPr id="3" name="内容占位符 2">
             <a:extLst>
               <a:ext uri="{FF2B5EF4-FFF2-40B4-BE49-F238E27FC236}">
-                <a16:creationId xmlns:a16="http://schemas.microsoft.com/office/drawing/2014/main" id="{AEAE89FE-C0A1-2316-A060-8D64191D6175}"/>
+                <a16:creationId xmlns:a16="http://schemas.microsoft.com/office/drawing/2014/main" id="{41764496-7D13-95B3-5622-42A8F56CB1E3}"/>
               </a:ext>
             </a:extLst>
           </p:cNvPr>
@@ -2286,7 +2286,7 @@
           <p:cNvPr id="4" name="文本占位符 3">
             <a:extLst>
               <a:ext uri="{FF2B5EF4-FFF2-40B4-BE49-F238E27FC236}">
-                <a16:creationId xmlns:a16="http://schemas.microsoft.com/office/drawing/2014/main" id="{AB2B9A63-93ED-F582-3316-EA7B62355CD0}"/>
+                <a16:creationId xmlns:a16="http://schemas.microsoft.com/office/drawing/2014/main" id="{A7264AEC-3737-4F7F-2879-24BFA41F6738}"/>
               </a:ext>
             </a:extLst>
           </p:cNvPr>
@@ -2357,7 +2357,7 @@
           <p:cNvPr id="5" name="日期占位符 4">
             <a:extLst>
               <a:ext uri="{FF2B5EF4-FFF2-40B4-BE49-F238E27FC236}">
-                <a16:creationId xmlns:a16="http://schemas.microsoft.com/office/drawing/2014/main" id="{1F03AE7A-8C23-19BD-5D2E-11DE9C12C608}"/>
+                <a16:creationId xmlns:a16="http://schemas.microsoft.com/office/drawing/2014/main" id="{86B5D547-66D1-801E-9E66-E98B32EEB492}"/>
               </a:ext>
             </a:extLst>
           </p:cNvPr>
@@ -2373,7 +2373,7 @@
           <a:bodyPr/>
           <a:lstStyle/>
           <a:p>
-            <a:fld id="{D643B41B-7A2B-45F1-A9E9-FD533F2F5181}" type="datetimeFigureOut">
+            <a:fld id="{29A84E0C-76B4-4E9B-BB63-6A9426C4B8F6}" type="datetimeFigureOut">
               <a:rPr lang="zh-CN" altLang="en-US" smtClean="0"/>
               <a:t>2024/3/10</a:t>
             </a:fld>
@@ -2386,7 +2386,7 @@
           <p:cNvPr id="6" name="页脚占位符 5">
             <a:extLst>
               <a:ext uri="{FF2B5EF4-FFF2-40B4-BE49-F238E27FC236}">
-                <a16:creationId xmlns:a16="http://schemas.microsoft.com/office/drawing/2014/main" id="{FB587A45-67E3-4323-CD5F-A4D5D253694F}"/>
+                <a16:creationId xmlns:a16="http://schemas.microsoft.com/office/drawing/2014/main" id="{BD76C010-8F26-797E-4CD1-B616BBA98836}"/>
               </a:ext>
             </a:extLst>
           </p:cNvPr>
@@ -2411,7 +2411,7 @@
           <p:cNvPr id="7" name="灯片编号占位符 6">
             <a:extLst>
               <a:ext uri="{FF2B5EF4-FFF2-40B4-BE49-F238E27FC236}">
-                <a16:creationId xmlns:a16="http://schemas.microsoft.com/office/drawing/2014/main" id="{0EDCE26D-CA76-42ED-7F94-22648412B62F}"/>
+                <a16:creationId xmlns:a16="http://schemas.microsoft.com/office/drawing/2014/main" id="{D4C6C746-682E-8895-E76D-F59B991AFBBB}"/>
               </a:ext>
             </a:extLst>
           </p:cNvPr>
@@ -2427,7 +2427,7 @@
           <a:bodyPr/>
           <a:lstStyle/>
           <a:p>
-            <a:fld id="{5BAE86FF-2A98-4355-A989-D3FB89B0CB2A}" type="slidenum">
+            <a:fld id="{8E00CA91-7740-4163-A6AC-D797203E5C6D}" type="slidenum">
               <a:rPr lang="zh-CN" altLang="en-US" smtClean="0"/>
               <a:t>‹#›</a:t>
             </a:fld>
@@ -2438,7 +2438,7 @@
     </p:spTree>
     <p:extLst>
       <p:ext uri="{BB962C8B-B14F-4D97-AF65-F5344CB8AC3E}">
-        <p14:creationId xmlns:p14="http://schemas.microsoft.com/office/powerpoint/2010/main" val="4151793266"/>
+        <p14:creationId xmlns:p14="http://schemas.microsoft.com/office/powerpoint/2010/main" val="4113197763"/>
       </p:ext>
     </p:extLst>
   </p:cSld>
@@ -2470,7 +2470,7 @@
           <p:cNvPr id="2" name="标题 1">
             <a:extLst>
               <a:ext uri="{FF2B5EF4-FFF2-40B4-BE49-F238E27FC236}">
-                <a16:creationId xmlns:a16="http://schemas.microsoft.com/office/drawing/2014/main" id="{ACCA31E6-1872-1EB5-CAEA-7626E27A65C3}"/>
+                <a16:creationId xmlns:a16="http://schemas.microsoft.com/office/drawing/2014/main" id="{676E4DBA-BB24-D331-FE9D-1F3F0C24813C}"/>
               </a:ext>
             </a:extLst>
           </p:cNvPr>
@@ -2507,7 +2507,7 @@
           <p:cNvPr id="3" name="图片占位符 2">
             <a:extLst>
               <a:ext uri="{FF2B5EF4-FFF2-40B4-BE49-F238E27FC236}">
-                <a16:creationId xmlns:a16="http://schemas.microsoft.com/office/drawing/2014/main" id="{9C1F8572-140B-6FC6-AA3C-293A837B9D0B}"/>
+                <a16:creationId xmlns:a16="http://schemas.microsoft.com/office/drawing/2014/main" id="{AD3A27AA-DF5D-0C06-7169-B4C6BCFD7449}"/>
               </a:ext>
             </a:extLst>
           </p:cNvPr>
@@ -2574,7 +2574,7 @@
           <p:cNvPr id="4" name="文本占位符 3">
             <a:extLst>
               <a:ext uri="{FF2B5EF4-FFF2-40B4-BE49-F238E27FC236}">
-                <a16:creationId xmlns:a16="http://schemas.microsoft.com/office/drawing/2014/main" id="{24182A60-3A81-C3FA-8B37-372D589064A6}"/>
+                <a16:creationId xmlns:a16="http://schemas.microsoft.com/office/drawing/2014/main" id="{D74284E7-0CBD-CFFC-6A3B-404370DB7491}"/>
               </a:ext>
             </a:extLst>
           </p:cNvPr>
@@ -2645,7 +2645,7 @@
           <p:cNvPr id="5" name="日期占位符 4">
             <a:extLst>
               <a:ext uri="{FF2B5EF4-FFF2-40B4-BE49-F238E27FC236}">
-                <a16:creationId xmlns:a16="http://schemas.microsoft.com/office/drawing/2014/main" id="{88800810-E644-C72B-BAB3-E9837E90AE5C}"/>
+                <a16:creationId xmlns:a16="http://schemas.microsoft.com/office/drawing/2014/main" id="{D0395415-68AC-698E-D052-E15603B6ACE4}"/>
               </a:ext>
             </a:extLst>
           </p:cNvPr>
@@ -2661,7 +2661,7 @@
           <a:bodyPr/>
           <a:lstStyle/>
           <a:p>
-            <a:fld id="{D643B41B-7A2B-45F1-A9E9-FD533F2F5181}" type="datetimeFigureOut">
+            <a:fld id="{29A84E0C-76B4-4E9B-BB63-6A9426C4B8F6}" type="datetimeFigureOut">
               <a:rPr lang="zh-CN" altLang="en-US" smtClean="0"/>
               <a:t>2024/3/10</a:t>
             </a:fld>
@@ -2674,7 +2674,7 @@
           <p:cNvPr id="6" name="页脚占位符 5">
             <a:extLst>
               <a:ext uri="{FF2B5EF4-FFF2-40B4-BE49-F238E27FC236}">
-                <a16:creationId xmlns:a16="http://schemas.microsoft.com/office/drawing/2014/main" id="{15F9105A-D1B4-F300-3798-357A0B492809}"/>
+                <a16:creationId xmlns:a16="http://schemas.microsoft.com/office/drawing/2014/main" id="{775797E2-AEF0-3AF2-9056-11A2FA510935}"/>
               </a:ext>
             </a:extLst>
           </p:cNvPr>
@@ -2699,7 +2699,7 @@
           <p:cNvPr id="7" name="灯片编号占位符 6">
             <a:extLst>
               <a:ext uri="{FF2B5EF4-FFF2-40B4-BE49-F238E27FC236}">
-                <a16:creationId xmlns:a16="http://schemas.microsoft.com/office/drawing/2014/main" id="{2758C7A2-0C41-F192-75C4-BCEF606FBD9E}"/>
+                <a16:creationId xmlns:a16="http://schemas.microsoft.com/office/drawing/2014/main" id="{59049DA9-E15D-88D3-3D38-37373CF5E70D}"/>
               </a:ext>
             </a:extLst>
           </p:cNvPr>
@@ -2715,7 +2715,7 @@
           <a:bodyPr/>
           <a:lstStyle/>
           <a:p>
-            <a:fld id="{5BAE86FF-2A98-4355-A989-D3FB89B0CB2A}" type="slidenum">
+            <a:fld id="{8E00CA91-7740-4163-A6AC-D797203E5C6D}" type="slidenum">
               <a:rPr lang="zh-CN" altLang="en-US" smtClean="0"/>
               <a:t>‹#›</a:t>
             </a:fld>
@@ -2726,7 +2726,7 @@
     </p:spTree>
     <p:extLst>
       <p:ext uri="{BB962C8B-B14F-4D97-AF65-F5344CB8AC3E}">
-        <p14:creationId xmlns:p14="http://schemas.microsoft.com/office/powerpoint/2010/main" val="4242535207"/>
+        <p14:creationId xmlns:p14="http://schemas.microsoft.com/office/powerpoint/2010/main" val="127523799"/>
       </p:ext>
     </p:extLst>
   </p:cSld>
@@ -2763,7 +2763,7 @@
           <p:cNvPr id="2" name="标题占位符 1">
             <a:extLst>
               <a:ext uri="{FF2B5EF4-FFF2-40B4-BE49-F238E27FC236}">
-                <a16:creationId xmlns:a16="http://schemas.microsoft.com/office/drawing/2014/main" id="{162D6203-F4D1-0C08-189C-A19B7E7E9BF6}"/>
+                <a16:creationId xmlns:a16="http://schemas.microsoft.com/office/drawing/2014/main" id="{959B0F99-0B97-8659-F57F-66B5428F7C58}"/>
               </a:ext>
             </a:extLst>
           </p:cNvPr>
@@ -2801,7 +2801,7 @@
           <p:cNvPr id="3" name="文本占位符 2">
             <a:extLst>
               <a:ext uri="{FF2B5EF4-FFF2-40B4-BE49-F238E27FC236}">
-                <a16:creationId xmlns:a16="http://schemas.microsoft.com/office/drawing/2014/main" id="{38736615-6249-35A5-D2A1-23CC0041C765}"/>
+                <a16:creationId xmlns:a16="http://schemas.microsoft.com/office/drawing/2014/main" id="{B1E054A3-6CE6-165C-19EB-20022254D4D1}"/>
               </a:ext>
             </a:extLst>
           </p:cNvPr>
@@ -2868,7 +2868,7 @@
           <p:cNvPr id="4" name="日期占位符 3">
             <a:extLst>
               <a:ext uri="{FF2B5EF4-FFF2-40B4-BE49-F238E27FC236}">
-                <a16:creationId xmlns:a16="http://schemas.microsoft.com/office/drawing/2014/main" id="{606E158C-B25A-2273-EE91-46573D9B04F8}"/>
+                <a16:creationId xmlns:a16="http://schemas.microsoft.com/office/drawing/2014/main" id="{2CCE6D0C-CA99-A68F-D708-C4CFF9A64DB1}"/>
               </a:ext>
             </a:extLst>
           </p:cNvPr>
@@ -2902,7 +2902,7 @@
             </a:lvl1pPr>
           </a:lstStyle>
           <a:p>
-            <a:fld id="{D643B41B-7A2B-45F1-A9E9-FD533F2F5181}" type="datetimeFigureOut">
+            <a:fld id="{29A84E0C-76B4-4E9B-BB63-6A9426C4B8F6}" type="datetimeFigureOut">
               <a:rPr lang="zh-CN" altLang="en-US" smtClean="0"/>
               <a:t>2024/3/10</a:t>
             </a:fld>
@@ -2915,7 +2915,7 @@
           <p:cNvPr id="5" name="页脚占位符 4">
             <a:extLst>
               <a:ext uri="{FF2B5EF4-FFF2-40B4-BE49-F238E27FC236}">
-                <a16:creationId xmlns:a16="http://schemas.microsoft.com/office/drawing/2014/main" id="{AA7C0954-D7DE-939D-6FE1-85E202BD7C74}"/>
+                <a16:creationId xmlns:a16="http://schemas.microsoft.com/office/drawing/2014/main" id="{96D17013-8521-586D-CD2F-2B9837CE9844}"/>
               </a:ext>
             </a:extLst>
           </p:cNvPr>
@@ -2958,7 +2958,7 @@
           <p:cNvPr id="6" name="灯片编号占位符 5">
             <a:extLst>
               <a:ext uri="{FF2B5EF4-FFF2-40B4-BE49-F238E27FC236}">
-                <a16:creationId xmlns:a16="http://schemas.microsoft.com/office/drawing/2014/main" id="{64D2C751-569E-0AF1-FDF6-03FBD42E03BB}"/>
+                <a16:creationId xmlns:a16="http://schemas.microsoft.com/office/drawing/2014/main" id="{E42261B1-65A3-C624-876F-0C064D952CF4}"/>
               </a:ext>
             </a:extLst>
           </p:cNvPr>
@@ -2992,7 +2992,7 @@
             </a:lvl1pPr>
           </a:lstStyle>
           <a:p>
-            <a:fld id="{5BAE86FF-2A98-4355-A989-D3FB89B0CB2A}" type="slidenum">
+            <a:fld id="{8E00CA91-7740-4163-A6AC-D797203E5C6D}" type="slidenum">
               <a:rPr lang="zh-CN" altLang="en-US" smtClean="0"/>
               <a:t>‹#›</a:t>
             </a:fld>
@@ -3003,7 +3003,7 @@
     </p:spTree>
     <p:extLst>
       <p:ext uri="{BB962C8B-B14F-4D97-AF65-F5344CB8AC3E}">
-        <p14:creationId xmlns:p14="http://schemas.microsoft.com/office/powerpoint/2010/main" val="2817531643"/>
+        <p14:creationId xmlns:p14="http://schemas.microsoft.com/office/powerpoint/2010/main" val="3899326013"/>
       </p:ext>
     </p:extLst>
   </p:cSld>
@@ -3323,7 +3323,7 @@
       </p:grpSpPr>
       <p:pic>
         <p:nvPicPr>
-          <p:cNvPr id="1334274" name="Picture 2" descr="1302"/>
+          <p:cNvPr id="1335298" name="Picture 2" descr="1303"/>
           <p:cNvPicPr>
             <a:picLocks noChangeAspect="1" noChangeArrowheads="1"/>
           </p:cNvPicPr>
@@ -3345,7 +3345,7 @@
         <p:spPr bwMode="auto">
           <a:xfrm>
             <a:off x="1524000" y="0"/>
-            <a:ext cx="9144000" cy="6021388"/>
+            <a:ext cx="9144000" cy="5949950"/>
           </a:xfrm>
           <a:prstGeom prst="rect">
             <a:avLst/>
